--- a/Week7/W1.06. Connect to the Database.pptx
+++ b/Week7/W1.06. Connect to the Database.pptx
@@ -155,6 +155,110 @@
 </p:presentation>
 </file>
 
+<file path=ppt/changesInfos/changesInfo1.xml><?xml version="1.0" encoding="utf-8"?>
+<pc:chgInfo xmlns:a="http://schemas.openxmlformats.org/drawingml/2006/main" xmlns:r="http://schemas.openxmlformats.org/officeDocument/2006/relationships" xmlns:ac="http://schemas.microsoft.com/office/drawing/2013/main/command" xmlns:pc="http://schemas.microsoft.com/office/powerpoint/2013/main/command">
+  <pc:docChgLst>
+    <pc:chgData name="Chuck Kiefriter" userId="a996b49251c4dfd2" providerId="LiveId" clId="{54152185-0CCF-46F9-B141-D63EDF0CAED3}"/>
+    <pc:docChg chg="custSel modSld">
+      <pc:chgData name="Chuck Kiefriter" userId="a996b49251c4dfd2" providerId="LiveId" clId="{54152185-0CCF-46F9-B141-D63EDF0CAED3}" dt="2024-03-20T23:36:03.160" v="9" actId="14100"/>
+      <pc:docMkLst>
+        <pc:docMk/>
+      </pc:docMkLst>
+      <pc:sldChg chg="modSp mod">
+        <pc:chgData name="Chuck Kiefriter" userId="a996b49251c4dfd2" providerId="LiveId" clId="{54152185-0CCF-46F9-B141-D63EDF0CAED3}" dt="2024-03-20T23:33:01.623" v="0" actId="14100"/>
+        <pc:sldMkLst>
+          <pc:docMk/>
+          <pc:sldMk cId="602837867" sldId="258"/>
+        </pc:sldMkLst>
+        <pc:spChg chg="mod">
+          <ac:chgData name="Chuck Kiefriter" userId="a996b49251c4dfd2" providerId="LiveId" clId="{54152185-0CCF-46F9-B141-D63EDF0CAED3}" dt="2024-03-20T23:33:01.623" v="0" actId="14100"/>
+          <ac:spMkLst>
+            <pc:docMk/>
+            <pc:sldMk cId="602837867" sldId="258"/>
+            <ac:spMk id="3" creationId="{14F7663D-85E0-4DAB-913B-9561A76F2E26}"/>
+          </ac:spMkLst>
+        </pc:spChg>
+      </pc:sldChg>
+      <pc:sldChg chg="modSp mod">
+        <pc:chgData name="Chuck Kiefriter" userId="a996b49251c4dfd2" providerId="LiveId" clId="{54152185-0CCF-46F9-B141-D63EDF0CAED3}" dt="2024-03-20T23:33:45.167" v="2" actId="27636"/>
+        <pc:sldMkLst>
+          <pc:docMk/>
+          <pc:sldMk cId="2003325313" sldId="259"/>
+        </pc:sldMkLst>
+        <pc:spChg chg="mod">
+          <ac:chgData name="Chuck Kiefriter" userId="a996b49251c4dfd2" providerId="LiveId" clId="{54152185-0CCF-46F9-B141-D63EDF0CAED3}" dt="2024-03-20T23:33:45.167" v="2" actId="27636"/>
+          <ac:spMkLst>
+            <pc:docMk/>
+            <pc:sldMk cId="2003325313" sldId="259"/>
+            <ac:spMk id="3" creationId="{9E8F248A-FFD1-429D-8216-29CA9D1D65EF}"/>
+          </ac:spMkLst>
+        </pc:spChg>
+      </pc:sldChg>
+      <pc:sldChg chg="modSp mod">
+        <pc:chgData name="Chuck Kiefriter" userId="a996b49251c4dfd2" providerId="LiveId" clId="{54152185-0CCF-46F9-B141-D63EDF0CAED3}" dt="2024-03-20T23:34:53.294" v="6" actId="1076"/>
+        <pc:sldMkLst>
+          <pc:docMk/>
+          <pc:sldMk cId="1407393781" sldId="260"/>
+        </pc:sldMkLst>
+        <pc:spChg chg="mod">
+          <ac:chgData name="Chuck Kiefriter" userId="a996b49251c4dfd2" providerId="LiveId" clId="{54152185-0CCF-46F9-B141-D63EDF0CAED3}" dt="2024-03-20T23:34:53.294" v="6" actId="1076"/>
+          <ac:spMkLst>
+            <pc:docMk/>
+            <pc:sldMk cId="1407393781" sldId="260"/>
+            <ac:spMk id="3" creationId="{81F5BE41-6B51-4266-B13B-1A3CC07C4D86}"/>
+          </ac:spMkLst>
+        </pc:spChg>
+      </pc:sldChg>
+      <pc:sldChg chg="modSp mod">
+        <pc:chgData name="Chuck Kiefriter" userId="a996b49251c4dfd2" providerId="LiveId" clId="{54152185-0CCF-46F9-B141-D63EDF0CAED3}" dt="2024-03-20T23:34:30.051" v="4" actId="1076"/>
+        <pc:sldMkLst>
+          <pc:docMk/>
+          <pc:sldMk cId="3920745478" sldId="261"/>
+        </pc:sldMkLst>
+        <pc:spChg chg="mod">
+          <ac:chgData name="Chuck Kiefriter" userId="a996b49251c4dfd2" providerId="LiveId" clId="{54152185-0CCF-46F9-B141-D63EDF0CAED3}" dt="2024-03-20T23:34:30.051" v="4" actId="1076"/>
+          <ac:spMkLst>
+            <pc:docMk/>
+            <pc:sldMk cId="3920745478" sldId="261"/>
+            <ac:spMk id="3" creationId="{DC5633BD-5B5C-4677-BADC-78B682453CDB}"/>
+          </ac:spMkLst>
+        </pc:spChg>
+      </pc:sldChg>
+      <pc:sldChg chg="modSp mod">
+        <pc:chgData name="Chuck Kiefriter" userId="a996b49251c4dfd2" providerId="LiveId" clId="{54152185-0CCF-46F9-B141-D63EDF0CAED3}" dt="2024-03-20T23:35:32.084" v="8" actId="1076"/>
+        <pc:sldMkLst>
+          <pc:docMk/>
+          <pc:sldMk cId="1650410721" sldId="263"/>
+        </pc:sldMkLst>
+        <pc:spChg chg="mod">
+          <ac:chgData name="Chuck Kiefriter" userId="a996b49251c4dfd2" providerId="LiveId" clId="{54152185-0CCF-46F9-B141-D63EDF0CAED3}" dt="2024-03-20T23:35:32.084" v="8" actId="1076"/>
+          <ac:spMkLst>
+            <pc:docMk/>
+            <pc:sldMk cId="1650410721" sldId="263"/>
+            <ac:spMk id="3" creationId="{4159B2E8-C902-4613-9C17-4E8FA69219CF}"/>
+          </ac:spMkLst>
+        </pc:spChg>
+      </pc:sldChg>
+      <pc:sldChg chg="modSp mod">
+        <pc:chgData name="Chuck Kiefriter" userId="a996b49251c4dfd2" providerId="LiveId" clId="{54152185-0CCF-46F9-B141-D63EDF0CAED3}" dt="2024-03-20T23:36:03.160" v="9" actId="14100"/>
+        <pc:sldMkLst>
+          <pc:docMk/>
+          <pc:sldMk cId="1433932103" sldId="264"/>
+        </pc:sldMkLst>
+        <pc:spChg chg="mod">
+          <ac:chgData name="Chuck Kiefriter" userId="a996b49251c4dfd2" providerId="LiveId" clId="{54152185-0CCF-46F9-B141-D63EDF0CAED3}" dt="2024-03-20T23:36:03.160" v="9" actId="14100"/>
+          <ac:spMkLst>
+            <pc:docMk/>
+            <pc:sldMk cId="1433932103" sldId="264"/>
+            <ac:spMk id="3" creationId="{959DC116-6906-42C5-B95E-CECBB5F2381F}"/>
+          </ac:spMkLst>
+        </pc:spChg>
+      </pc:sldChg>
+    </pc:docChg>
+  </pc:docChgLst>
+</pc:chgInfo>
+</file>
+
 <file path=ppt/slideLayouts/slideLayout1.xml><?xml version="1.0" encoding="utf-8"?>
 <p:sldLayout xmlns:a="http://schemas.openxmlformats.org/drawingml/2006/main" xmlns:r="http://schemas.openxmlformats.org/officeDocument/2006/relationships" xmlns:p="http://schemas.openxmlformats.org/presentationml/2006/main" type="title" preserve="1">
   <p:cSld name="Title Slide">
@@ -399,7 +503,7 @@
           <a:p>
             <a:fld id="{548C5E67-172B-4F6A-B3B9-DEF72F952E5B}" type="datetimeFigureOut">
               <a:rPr lang="en-US" smtClean="0"/>
-              <a:t>12/8/2021</a:t>
+              <a:t>3/20/2024</a:t>
             </a:fld>
             <a:endParaRPr lang="en-US"/>
           </a:p>
@@ -603,7 +707,7 @@
           <a:p>
             <a:fld id="{548C5E67-172B-4F6A-B3B9-DEF72F952E5B}" type="datetimeFigureOut">
               <a:rPr lang="en-US" smtClean="0"/>
-              <a:t>12/8/2021</a:t>
+              <a:t>3/20/2024</a:t>
             </a:fld>
             <a:endParaRPr lang="en-US"/>
           </a:p>
@@ -797,7 +901,7 @@
           <a:p>
             <a:fld id="{548C5E67-172B-4F6A-B3B9-DEF72F952E5B}" type="datetimeFigureOut">
               <a:rPr lang="en-US" smtClean="0"/>
-              <a:t>12/8/2021</a:t>
+              <a:t>3/20/2024</a:t>
             </a:fld>
             <a:endParaRPr lang="en-US"/>
           </a:p>
@@ -1842,7 +1946,7 @@
           <a:p>
             <a:fld id="{548C5E67-172B-4F6A-B3B9-DEF72F952E5B}" type="datetimeFigureOut">
               <a:rPr lang="en-US" smtClean="0"/>
-              <a:t>12/8/2021</a:t>
+              <a:t>3/20/2024</a:t>
             </a:fld>
             <a:endParaRPr lang="en-US"/>
           </a:p>
@@ -2123,7 +2227,7 @@
           <a:p>
             <a:fld id="{548C5E67-172B-4F6A-B3B9-DEF72F952E5B}" type="datetimeFigureOut">
               <a:rPr lang="en-US" smtClean="0"/>
-              <a:t>12/8/2021</a:t>
+              <a:t>3/20/2024</a:t>
             </a:fld>
             <a:endParaRPr lang="en-US"/>
           </a:p>
@@ -3388,8 +3492,8 @@
         </p:nvSpPr>
         <p:spPr>
           <a:xfrm>
-            <a:off x="838200" y="1825625"/>
-            <a:ext cx="7100944" cy="2242941"/>
+            <a:off x="511277" y="1805961"/>
+            <a:ext cx="10842523" cy="2242941"/>
           </a:xfrm>
         </p:spPr>
         <p:txBody>
@@ -3614,7 +3718,12 @@
             <p:ph idx="1"/>
           </p:nvPr>
         </p:nvSpPr>
-        <p:spPr/>
+        <p:spPr>
+          <a:xfrm>
+            <a:off x="838199" y="1825625"/>
+            <a:ext cx="11068665" cy="4351338"/>
+          </a:xfrm>
+        </p:spPr>
         <p:txBody>
           <a:bodyPr/>
           <a:lstStyle/>
@@ -4238,7 +4347,7 @@
         <p:spPr>
           <a:xfrm>
             <a:off x="838200" y="1825625"/>
-            <a:ext cx="6312613" cy="4351338"/>
+            <a:ext cx="10095271" cy="4351338"/>
           </a:xfrm>
         </p:spPr>
         <p:txBody>
@@ -4419,12 +4528,12 @@
         <p:spPr>
           <a:xfrm>
             <a:off x="838200" y="1825625"/>
-            <a:ext cx="6456452" cy="4351338"/>
+            <a:ext cx="10803194" cy="4351338"/>
           </a:xfrm>
         </p:spPr>
         <p:txBody>
           <a:bodyPr>
-            <a:normAutofit fontScale="92500"/>
+            <a:normAutofit/>
           </a:bodyPr>
           <a:lstStyle/>
           <a:p>
@@ -4615,8 +4724,8 @@
         </p:nvSpPr>
         <p:spPr>
           <a:xfrm>
-            <a:off x="838200" y="1825625"/>
-            <a:ext cx="5901647" cy="3101377"/>
+            <a:off x="238432" y="1690688"/>
+            <a:ext cx="11353800" cy="3101377"/>
           </a:xfrm>
         </p:spPr>
         <p:txBody>
@@ -4858,8 +4967,8 @@
         </p:nvSpPr>
         <p:spPr>
           <a:xfrm>
-            <a:off x="838200" y="1825625"/>
-            <a:ext cx="7100944" cy="2316069"/>
+            <a:off x="562897" y="1845290"/>
+            <a:ext cx="10881852" cy="2316069"/>
           </a:xfrm>
         </p:spPr>
         <p:txBody>
